--- a/DEV 5 Feinstaubstation PowerPoint.pptx
+++ b/DEV 5 Feinstaubstation PowerPoint.pptx
@@ -8,6 +8,8 @@
     <p:sldId id="256" r:id="rId2"/>
     <p:sldId id="257" r:id="rId3"/>
     <p:sldId id="258" r:id="rId4"/>
+    <p:sldId id="259" r:id="rId5"/>
+    <p:sldId id="260" r:id="rId6"/>
   </p:sldIdLst>
   <p:sldSz cx="12192000" cy="6858000"/>
   <p:notesSz cx="6858000" cy="9144000"/>
@@ -6825,6 +6827,434 @@
 </p:sld>
 </file>
 
+<file path=ppt/slides/slide4.xml><?xml version="1.0" encoding="utf-8"?>
+<p:sld xmlns:a="http://schemas.openxmlformats.org/drawingml/2006/main" xmlns:r="http://schemas.openxmlformats.org/officeDocument/2006/relationships" xmlns:p="http://schemas.openxmlformats.org/presentationml/2006/main">
+  <p:cSld>
+    <p:spTree>
+      <p:nvGrpSpPr>
+        <p:cNvPr id="1" name=""/>
+        <p:cNvGrpSpPr/>
+        <p:nvPr/>
+      </p:nvGrpSpPr>
+      <p:grpSpPr>
+        <a:xfrm>
+          <a:off x="0" y="0"/>
+          <a:ext cx="0" cy="0"/>
+          <a:chOff x="0" y="0"/>
+          <a:chExt cx="0" cy="0"/>
+        </a:xfrm>
+      </p:grpSpPr>
+      <p:sp>
+        <p:nvSpPr>
+          <p:cNvPr id="4" name="Rechteck 3"/>
+          <p:cNvSpPr/>
+          <p:nvPr/>
+        </p:nvSpPr>
+        <p:spPr>
+          <a:xfrm>
+            <a:off x="0" y="0"/>
+            <a:ext cx="12242042" cy="6858000"/>
+          </a:xfrm>
+          <a:prstGeom prst="rect">
+            <a:avLst/>
+          </a:prstGeom>
+          <a:solidFill>
+            <a:schemeClr val="bg1">
+              <a:alpha val="65000"/>
+            </a:schemeClr>
+          </a:solidFill>
+        </p:spPr>
+        <p:style>
+          <a:lnRef idx="2">
+            <a:schemeClr val="accent1">
+              <a:shade val="50000"/>
+            </a:schemeClr>
+          </a:lnRef>
+          <a:fillRef idx="1">
+            <a:schemeClr val="accent1"/>
+          </a:fillRef>
+          <a:effectRef idx="0">
+            <a:schemeClr val="accent1"/>
+          </a:effectRef>
+          <a:fontRef idx="minor">
+            <a:schemeClr val="lt1"/>
+          </a:fontRef>
+        </p:style>
+        <p:txBody>
+          <a:bodyPr rtlCol="0" anchor="ctr"/>
+          <a:lstStyle/>
+          <a:p>
+            <a:pPr algn="ctr"/>
+            <a:endParaRPr lang="de-DE"/>
+          </a:p>
+        </p:txBody>
+      </p:sp>
+      <p:sp>
+        <p:nvSpPr>
+          <p:cNvPr id="2" name="Titel 1"/>
+          <p:cNvSpPr>
+            <a:spLocks noGrp="1"/>
+          </p:cNvSpPr>
+          <p:nvPr>
+            <p:ph type="title"/>
+          </p:nvPr>
+        </p:nvSpPr>
+        <p:spPr/>
+        <p:txBody>
+          <a:bodyPr/>
+          <a:lstStyle/>
+          <a:p>
+            <a:r>
+              <a:rPr lang="de-DE" dirty="0"/>
+              <a:t>Umsetzung</a:t>
+            </a:r>
+            <a:endParaRPr lang="de-DE" dirty="0"/>
+          </a:p>
+        </p:txBody>
+      </p:sp>
+      <p:sp>
+        <p:nvSpPr>
+          <p:cNvPr id="3" name="Inhaltsplatzhalter 2"/>
+          <p:cNvSpPr>
+            <a:spLocks noGrp="1"/>
+          </p:cNvSpPr>
+          <p:nvPr>
+            <p:ph idx="1"/>
+          </p:nvPr>
+        </p:nvSpPr>
+        <p:spPr/>
+        <p:txBody>
+          <a:bodyPr/>
+          <a:lstStyle/>
+          <a:p>
+            <a:r>
+              <a:rPr lang="de-DE" dirty="0" smtClean="0">
+                <a:solidFill>
+                  <a:schemeClr val="tx2"/>
+                </a:solidFill>
+              </a:rPr>
+              <a:t>Zur Verfügung gestellt bekommen haben wir gesammelte Sensordaten welche wir uns für eine Zeitraum von einem Jahr vollautomatisch als CSV Dateien abspeichern sollen.</a:t>
+            </a:r>
+          </a:p>
+          <a:p>
+            <a:r>
+              <a:rPr lang="de-DE" dirty="0" smtClean="0">
+                <a:solidFill>
+                  <a:schemeClr val="tx2"/>
+                </a:solidFill>
+              </a:rPr>
+              <a:t>Mit Hilfe dieser CSV </a:t>
+            </a:r>
+            <a:r>
+              <a:rPr lang="de-DE" dirty="0" err="1" smtClean="0">
+                <a:solidFill>
+                  <a:schemeClr val="tx2"/>
+                </a:solidFill>
+              </a:rPr>
+              <a:t>Dateinen</a:t>
+            </a:r>
+            <a:r>
+              <a:rPr lang="de-DE" dirty="0" smtClean="0">
+                <a:solidFill>
+                  <a:schemeClr val="tx2"/>
+                </a:solidFill>
+              </a:rPr>
+              <a:t> erstellen wir eine Datenbank.</a:t>
+            </a:r>
+          </a:p>
+          <a:p>
+            <a:r>
+              <a:rPr lang="de-DE" dirty="0">
+                <a:solidFill>
+                  <a:schemeClr val="tx2"/>
+                </a:solidFill>
+              </a:rPr>
+              <a:t>Am Ende diese Projektes soll ein </a:t>
+            </a:r>
+            <a:r>
+              <a:rPr lang="de-DE" dirty="0" err="1">
+                <a:solidFill>
+                  <a:schemeClr val="tx2"/>
+                </a:solidFill>
+              </a:rPr>
+              <a:t>Phytonprgramm</a:t>
+            </a:r>
+            <a:r>
+              <a:rPr lang="de-DE" dirty="0">
+                <a:solidFill>
+                  <a:schemeClr val="tx2"/>
+                </a:solidFill>
+              </a:rPr>
+              <a:t> stehen, Welches uns Daten aus einer von uns erstellen Datenbank auslesen kann.</a:t>
+            </a:r>
+          </a:p>
+          <a:p>
+            <a:endParaRPr lang="de-DE" dirty="0" smtClean="0">
+              <a:solidFill>
+                <a:schemeClr val="tx2"/>
+              </a:solidFill>
+            </a:endParaRPr>
+          </a:p>
+          <a:p>
+            <a:pPr marL="0" indent="0">
+              <a:buNone/>
+            </a:pPr>
+            <a:endParaRPr lang="de-DE" dirty="0" smtClean="0"/>
+          </a:p>
+          <a:p>
+            <a:pPr marL="0" indent="0">
+              <a:buNone/>
+            </a:pPr>
+            <a:endParaRPr lang="de-DE" dirty="0"/>
+          </a:p>
+        </p:txBody>
+      </p:sp>
+    </p:spTree>
+    <p:extLst>
+      <p:ext uri="{BB962C8B-B14F-4D97-AF65-F5344CB8AC3E}">
+        <p14:creationId xmlns:p14="http://schemas.microsoft.com/office/powerpoint/2010/main" val="2341473458"/>
+      </p:ext>
+    </p:extLst>
+  </p:cSld>
+  <p:clrMapOvr>
+    <a:masterClrMapping/>
+  </p:clrMapOvr>
+  <mc:AlternateContent xmlns:mc="http://schemas.openxmlformats.org/markup-compatibility/2006" xmlns:p14="http://schemas.microsoft.com/office/powerpoint/2010/main">
+    <mc:Choice Requires="p14">
+      <p:transition spd="slow" p14:dur="1500">
+        <p14:reveal/>
+      </p:transition>
+    </mc:Choice>
+    <mc:Fallback xmlns="">
+      <p:transition spd="slow">
+        <p:fade/>
+      </p:transition>
+    </mc:Fallback>
+  </mc:AlternateContent>
+  <p:timing>
+    <p:tnLst>
+      <p:par>
+        <p:cTn id="1" dur="indefinite" restart="never" nodeType="tmRoot"/>
+      </p:par>
+    </p:tnLst>
+  </p:timing>
+</p:sld>
+</file>
+
+<file path=ppt/slides/slide5.xml><?xml version="1.0" encoding="utf-8"?>
+<p:sld xmlns:a="http://schemas.openxmlformats.org/drawingml/2006/main" xmlns:r="http://schemas.openxmlformats.org/officeDocument/2006/relationships" xmlns:p="http://schemas.openxmlformats.org/presentationml/2006/main">
+  <p:cSld>
+    <p:spTree>
+      <p:nvGrpSpPr>
+        <p:cNvPr id="1" name=""/>
+        <p:cNvGrpSpPr/>
+        <p:nvPr/>
+      </p:nvGrpSpPr>
+      <p:grpSpPr>
+        <a:xfrm>
+          <a:off x="0" y="0"/>
+          <a:ext cx="0" cy="0"/>
+          <a:chOff x="0" y="0"/>
+          <a:chExt cx="0" cy="0"/>
+        </a:xfrm>
+      </p:grpSpPr>
+      <p:sp>
+        <p:nvSpPr>
+          <p:cNvPr id="4" name="Rechteck 3"/>
+          <p:cNvSpPr/>
+          <p:nvPr/>
+        </p:nvSpPr>
+        <p:spPr>
+          <a:xfrm>
+            <a:off x="0" y="0"/>
+            <a:ext cx="12242042" cy="6858000"/>
+          </a:xfrm>
+          <a:prstGeom prst="rect">
+            <a:avLst/>
+          </a:prstGeom>
+          <a:solidFill>
+            <a:schemeClr val="bg1">
+              <a:alpha val="65000"/>
+            </a:schemeClr>
+          </a:solidFill>
+        </p:spPr>
+        <p:style>
+          <a:lnRef idx="2">
+            <a:schemeClr val="accent1">
+              <a:shade val="50000"/>
+            </a:schemeClr>
+          </a:lnRef>
+          <a:fillRef idx="1">
+            <a:schemeClr val="accent1"/>
+          </a:fillRef>
+          <a:effectRef idx="0">
+            <a:schemeClr val="accent1"/>
+          </a:effectRef>
+          <a:fontRef idx="minor">
+            <a:schemeClr val="lt1"/>
+          </a:fontRef>
+        </p:style>
+        <p:txBody>
+          <a:bodyPr rtlCol="0" anchor="ctr"/>
+          <a:lstStyle/>
+          <a:p>
+            <a:pPr algn="ctr"/>
+            <a:endParaRPr lang="de-DE"/>
+          </a:p>
+        </p:txBody>
+      </p:sp>
+      <p:sp>
+        <p:nvSpPr>
+          <p:cNvPr id="2" name="Titel 1"/>
+          <p:cNvSpPr>
+            <a:spLocks noGrp="1"/>
+          </p:cNvSpPr>
+          <p:nvPr>
+            <p:ph type="title"/>
+          </p:nvPr>
+        </p:nvSpPr>
+        <p:spPr/>
+        <p:txBody>
+          <a:bodyPr/>
+          <a:lstStyle/>
+          <a:p>
+            <a:r>
+              <a:rPr lang="de-DE"/>
+              <a:t>Ergebnis</a:t>
+            </a:r>
+            <a:endParaRPr lang="de-DE" dirty="0"/>
+          </a:p>
+        </p:txBody>
+      </p:sp>
+      <p:sp>
+        <p:nvSpPr>
+          <p:cNvPr id="3" name="Inhaltsplatzhalter 2"/>
+          <p:cNvSpPr>
+            <a:spLocks noGrp="1"/>
+          </p:cNvSpPr>
+          <p:nvPr>
+            <p:ph idx="1"/>
+          </p:nvPr>
+        </p:nvSpPr>
+        <p:spPr/>
+        <p:txBody>
+          <a:bodyPr/>
+          <a:lstStyle/>
+          <a:p>
+            <a:r>
+              <a:rPr lang="de-DE" dirty="0" smtClean="0">
+                <a:solidFill>
+                  <a:schemeClr val="tx2"/>
+                </a:solidFill>
+              </a:rPr>
+              <a:t>Zur Verfügung gestellt bekommen haben wir gesammelte Sensordaten welche wir uns für eine Zeitraum von einem Jahr vollautomatisch als CSV Dateien abspeichern sollen.</a:t>
+            </a:r>
+          </a:p>
+          <a:p>
+            <a:r>
+              <a:rPr lang="de-DE" dirty="0" smtClean="0">
+                <a:solidFill>
+                  <a:schemeClr val="tx2"/>
+                </a:solidFill>
+              </a:rPr>
+              <a:t>Mit Hilfe dieser CSV </a:t>
+            </a:r>
+            <a:r>
+              <a:rPr lang="de-DE" dirty="0" err="1" smtClean="0">
+                <a:solidFill>
+                  <a:schemeClr val="tx2"/>
+                </a:solidFill>
+              </a:rPr>
+              <a:t>Dateinen</a:t>
+            </a:r>
+            <a:r>
+              <a:rPr lang="de-DE" dirty="0" smtClean="0">
+                <a:solidFill>
+                  <a:schemeClr val="tx2"/>
+                </a:solidFill>
+              </a:rPr>
+              <a:t> erstellen wir eine Datenbank.</a:t>
+            </a:r>
+          </a:p>
+          <a:p>
+            <a:r>
+              <a:rPr lang="de-DE" dirty="0">
+                <a:solidFill>
+                  <a:schemeClr val="tx2"/>
+                </a:solidFill>
+              </a:rPr>
+              <a:t>Am Ende diese Projektes soll ein </a:t>
+            </a:r>
+            <a:r>
+              <a:rPr lang="de-DE" dirty="0" err="1">
+                <a:solidFill>
+                  <a:schemeClr val="tx2"/>
+                </a:solidFill>
+              </a:rPr>
+              <a:t>Phytonprgramm</a:t>
+            </a:r>
+            <a:r>
+              <a:rPr lang="de-DE" dirty="0">
+                <a:solidFill>
+                  <a:schemeClr val="tx2"/>
+                </a:solidFill>
+              </a:rPr>
+              <a:t> stehen, Welches uns Daten aus einer von uns erstellen Datenbank auslesen kann.</a:t>
+            </a:r>
+          </a:p>
+          <a:p>
+            <a:endParaRPr lang="de-DE" dirty="0" smtClean="0">
+              <a:solidFill>
+                <a:schemeClr val="tx2"/>
+              </a:solidFill>
+            </a:endParaRPr>
+          </a:p>
+          <a:p>
+            <a:pPr marL="0" indent="0">
+              <a:buNone/>
+            </a:pPr>
+            <a:endParaRPr lang="de-DE" dirty="0" smtClean="0"/>
+          </a:p>
+          <a:p>
+            <a:pPr marL="0" indent="0">
+              <a:buNone/>
+            </a:pPr>
+            <a:endParaRPr lang="de-DE" dirty="0"/>
+          </a:p>
+        </p:txBody>
+      </p:sp>
+    </p:spTree>
+    <p:extLst>
+      <p:ext uri="{BB962C8B-B14F-4D97-AF65-F5344CB8AC3E}">
+        <p14:creationId xmlns:p14="http://schemas.microsoft.com/office/powerpoint/2010/main" val="4198957180"/>
+      </p:ext>
+    </p:extLst>
+  </p:cSld>
+  <p:clrMapOvr>
+    <a:masterClrMapping/>
+  </p:clrMapOvr>
+  <mc:AlternateContent xmlns:mc="http://schemas.openxmlformats.org/markup-compatibility/2006" xmlns:p14="http://schemas.microsoft.com/office/powerpoint/2010/main">
+    <mc:Choice Requires="p14">
+      <p:transition spd="slow" p14:dur="1500">
+        <p14:reveal/>
+      </p:transition>
+    </mc:Choice>
+    <mc:Fallback xmlns="">
+      <p:transition spd="slow">
+        <p:fade/>
+      </p:transition>
+    </mc:Fallback>
+  </mc:AlternateContent>
+  <p:timing>
+    <p:tnLst>
+      <p:par>
+        <p:cTn id="1" dur="indefinite" restart="never" nodeType="tmRoot"/>
+      </p:par>
+    </p:tnLst>
+  </p:timing>
+</p:sld>
+</file>
+
 <file path=ppt/theme/theme1.xml><?xml version="1.0" encoding="utf-8"?>
 <a:theme xmlns:a="http://schemas.openxmlformats.org/drawingml/2006/main" name="Ion">
   <a:themeElements>
